--- a/Slides/PPTs/Ramadhan Daily Aamaal.pptx
+++ b/Slides/PPTs/Ramadhan Daily Aamaal.pptx
@@ -948,7 +948,7 @@
               <a:pPr>
                 <a:defRPr/>
               </a:pPr>
-              <a:t>4/9/2023</a:t>
+              <a:t>3/31/2024</a:t>
             </a:fld>
             <a:endParaRPr lang="en-US"/>
           </a:p>
@@ -6000,11 +6000,11 @@
   <p:clrMapOvr>
     <a:masterClrMapping/>
   </p:clrMapOvr>
-  <mc:AlternateContent xmlns:mc="http://schemas.openxmlformats.org/markup-compatibility/2006" xmlns:p14="http://schemas.microsoft.com/office/powerpoint/2010/main">
-    <mc:Choice Requires="p14">
-      <p:transition p14:dur="0"/>
+  <mc:AlternateContent xmlns:mc="http://schemas.openxmlformats.org/markup-compatibility/2006">
+    <mc:Choice xmlns:p14="http://schemas.microsoft.com/office/powerpoint/2010/main" Requires="p14">
+      <p:transition p14:dur="10"/>
     </mc:Choice>
-    <mc:Fallback xmlns="">
+    <mc:Fallback>
       <p:transition/>
     </mc:Fallback>
   </mc:AlternateContent>
